--- a/UAVSAR LITE_Sprint4.pptx
+++ b/UAVSAR LITE_Sprint4.pptx
@@ -15,21 +15,15 @@
     <p:sldId id="330" r:id="rId9"/>
     <p:sldId id="339" r:id="rId10"/>
     <p:sldId id="332" r:id="rId11"/>
-    <p:sldId id="331" r:id="rId12"/>
-    <p:sldId id="333" r:id="rId13"/>
-    <p:sldId id="334" r:id="rId14"/>
-    <p:sldId id="335" r:id="rId15"/>
-    <p:sldId id="336" r:id="rId16"/>
-    <p:sldId id="337" r:id="rId17"/>
-    <p:sldId id="338" r:id="rId18"/>
-    <p:sldId id="340" r:id="rId19"/>
-    <p:sldId id="341" r:id="rId20"/>
-    <p:sldId id="342" r:id="rId21"/>
-    <p:sldId id="343" r:id="rId22"/>
-    <p:sldId id="344" r:id="rId23"/>
-    <p:sldId id="345" r:id="rId24"/>
-    <p:sldId id="346" r:id="rId25"/>
-    <p:sldId id="325" r:id="rId26"/>
+    <p:sldId id="337" r:id="rId12"/>
+    <p:sldId id="340" r:id="rId13"/>
+    <p:sldId id="341" r:id="rId14"/>
+    <p:sldId id="342" r:id="rId15"/>
+    <p:sldId id="343" r:id="rId16"/>
+    <p:sldId id="344" r:id="rId17"/>
+    <p:sldId id="345" r:id="rId18"/>
+    <p:sldId id="346" r:id="rId19"/>
+    <p:sldId id="325" r:id="rId20"/>
   </p:sldIdLst>
   <p:sldSz cx="12192000" cy="6858000"/>
   <p:notesSz cx="6858000" cy="9144000"/>
@@ -130,7 +124,7 @@
   </p:defaultTextStyle>
   <p:extLst>
     <p:ext uri="{EFAFB233-063F-42B5-8137-9DF3F51BA10A}">
-      <p15:sldGuideLst xmlns:p15="http://schemas.microsoft.com/office/powerpoint/2012/main" xmlns=""/>
+      <p15:sldGuideLst xmlns="" xmlns:p15="http://schemas.microsoft.com/office/powerpoint/2012/main"/>
     </p:ext>
   </p:extLst>
 </p:presentation>
@@ -365,7 +359,7 @@
           <a:p>
             <a:fld id="{1B35694F-4D0F-434D-B2B9-390E8EC1C760}" type="datetimeFigureOut">
               <a:rPr lang="en-US" smtClean="0"/>
-              <a:t>2/3/2021</a:t>
+              <a:t>2/17/2021</a:t>
             </a:fld>
             <a:endParaRPr lang="en-US"/>
           </a:p>
@@ -699,7 +693,7 @@
           <a:p>
             <a:fld id="{1B35694F-4D0F-434D-B2B9-390E8EC1C760}" type="datetimeFigureOut">
               <a:rPr lang="en-US" smtClean="0"/>
-              <a:t>2/3/2021</a:t>
+              <a:t>2/17/2021</a:t>
             </a:fld>
             <a:endParaRPr lang="en-US"/>
           </a:p>
@@ -977,7 +971,7 @@
           <a:p>
             <a:fld id="{1B35694F-4D0F-434D-B2B9-390E8EC1C760}" type="datetimeFigureOut">
               <a:rPr lang="en-US" smtClean="0"/>
-              <a:t>2/3/2021</a:t>
+              <a:t>2/17/2021</a:t>
             </a:fld>
             <a:endParaRPr lang="en-US"/>
           </a:p>
@@ -1545,7 +1539,7 @@
           <a:p>
             <a:fld id="{1B35694F-4D0F-434D-B2B9-390E8EC1C760}" type="datetimeFigureOut">
               <a:rPr lang="en-US" smtClean="0"/>
-              <a:t>2/3/2021</a:t>
+              <a:t>2/17/2021</a:t>
             </a:fld>
             <a:endParaRPr lang="en-US"/>
           </a:p>
@@ -1823,7 +1817,7 @@
           <a:p>
             <a:fld id="{1B35694F-4D0F-434D-B2B9-390E8EC1C760}" type="datetimeFigureOut">
               <a:rPr lang="en-US" smtClean="0"/>
-              <a:t>2/3/2021</a:t>
+              <a:t>2/17/2021</a:t>
             </a:fld>
             <a:endParaRPr lang="en-US"/>
           </a:p>
@@ -2385,7 +2379,7 @@
           <a:p>
             <a:fld id="{1B35694F-4D0F-434D-B2B9-390E8EC1C760}" type="datetimeFigureOut">
               <a:rPr lang="en-US" smtClean="0"/>
-              <a:t>2/3/2021</a:t>
+              <a:t>2/17/2021</a:t>
             </a:fld>
             <a:endParaRPr lang="en-US"/>
           </a:p>
@@ -2712,7 +2706,7 @@
           <a:p>
             <a:fld id="{1B35694F-4D0F-434D-B2B9-390E8EC1C760}" type="datetimeFigureOut">
               <a:rPr lang="en-US" smtClean="0"/>
-              <a:t>2/3/2021</a:t>
+              <a:t>2/17/2021</a:t>
             </a:fld>
             <a:endParaRPr lang="en-US"/>
           </a:p>
@@ -2889,7 +2883,7 @@
           <a:p>
             <a:fld id="{1B35694F-4D0F-434D-B2B9-390E8EC1C760}" type="datetimeFigureOut">
               <a:rPr lang="en-US" smtClean="0"/>
-              <a:t>2/3/2021</a:t>
+              <a:t>2/17/2021</a:t>
             </a:fld>
             <a:endParaRPr lang="en-US"/>
           </a:p>
@@ -3127,7 +3121,7 @@
           <a:p>
             <a:fld id="{1B35694F-4D0F-434D-B2B9-390E8EC1C760}" type="datetimeFigureOut">
               <a:rPr lang="en-US" smtClean="0"/>
-              <a:t>2/3/2021</a:t>
+              <a:t>2/17/2021</a:t>
             </a:fld>
             <a:endParaRPr lang="en-US"/>
           </a:p>
@@ -3327,7 +3321,7 @@
           <a:p>
             <a:fld id="{1B35694F-4D0F-434D-B2B9-390E8EC1C760}" type="datetimeFigureOut">
               <a:rPr lang="en-US" smtClean="0"/>
-              <a:t>2/3/2021</a:t>
+              <a:t>2/17/2021</a:t>
             </a:fld>
             <a:endParaRPr lang="en-US"/>
           </a:p>
@@ -3603,7 +3597,7 @@
           <a:p>
             <a:fld id="{1B35694F-4D0F-434D-B2B9-390E8EC1C760}" type="datetimeFigureOut">
               <a:rPr lang="en-US" smtClean="0"/>
-              <a:t>2/3/2021</a:t>
+              <a:t>2/17/2021</a:t>
             </a:fld>
             <a:endParaRPr lang="en-US"/>
           </a:p>
@@ -3869,7 +3863,7 @@
           <a:p>
             <a:fld id="{1B35694F-4D0F-434D-B2B9-390E8EC1C760}" type="datetimeFigureOut">
               <a:rPr lang="en-US" smtClean="0"/>
-              <a:t>2/3/2021</a:t>
+              <a:t>2/17/2021</a:t>
             </a:fld>
             <a:endParaRPr lang="en-US"/>
           </a:p>
@@ -4243,7 +4237,7 @@
           <a:p>
             <a:fld id="{1B35694F-4D0F-434D-B2B9-390E8EC1C760}" type="datetimeFigureOut">
               <a:rPr lang="en-US" smtClean="0"/>
-              <a:t>2/3/2021</a:t>
+              <a:t>2/17/2021</a:t>
             </a:fld>
             <a:endParaRPr lang="en-US"/>
           </a:p>
@@ -4391,7 +4385,7 @@
           <a:p>
             <a:fld id="{1B35694F-4D0F-434D-B2B9-390E8EC1C760}" type="datetimeFigureOut">
               <a:rPr lang="en-US" smtClean="0"/>
-              <a:t>2/3/2021</a:t>
+              <a:t>2/17/2021</a:t>
             </a:fld>
             <a:endParaRPr lang="en-US"/>
           </a:p>
@@ -4516,7 +4510,7 @@
           <a:p>
             <a:fld id="{1B35694F-4D0F-434D-B2B9-390E8EC1C760}" type="datetimeFigureOut">
               <a:rPr lang="en-US" smtClean="0"/>
-              <a:t>2/3/2021</a:t>
+              <a:t>2/17/2021</a:t>
             </a:fld>
             <a:endParaRPr lang="en-US"/>
           </a:p>
@@ -4801,7 +4795,7 @@
           <a:p>
             <a:fld id="{1B35694F-4D0F-434D-B2B9-390E8EC1C760}" type="datetimeFigureOut">
               <a:rPr lang="en-US" smtClean="0"/>
-              <a:t>2/3/2021</a:t>
+              <a:t>2/17/2021</a:t>
             </a:fld>
             <a:endParaRPr lang="en-US"/>
           </a:p>
@@ -5125,7 +5119,7 @@
           <a:p>
             <a:fld id="{1B35694F-4D0F-434D-B2B9-390E8EC1C760}" type="datetimeFigureOut">
               <a:rPr lang="en-US" smtClean="0"/>
-              <a:t>2/3/2021</a:t>
+              <a:t>2/17/2021</a:t>
             </a:fld>
             <a:endParaRPr lang="en-US"/>
           </a:p>
@@ -5339,7 +5333,7 @@
           <a:p>
             <a:fld id="{1B35694F-4D0F-434D-B2B9-390E8EC1C760}" type="datetimeFigureOut">
               <a:rPr lang="en-US" smtClean="0"/>
-              <a:t>2/3/2021</a:t>
+              <a:t>2/17/2021</a:t>
             </a:fld>
             <a:endParaRPr lang="en-US"/>
           </a:p>
@@ -5997,26 +5991,11 @@
             <a:pPr lvl="1"/>
             <a:r>
               <a:rPr lang="en-US" dirty="0" smtClean="0"/>
-              <a:t>Important takeaways chapters 1-3</a:t>
-            </a:r>
-          </a:p>
-          <a:p>
-            <a:pPr lvl="1"/>
+              <a:t>Important </a:t>
+            </a:r>
             <a:r>
               <a:rPr lang="en-US" dirty="0"/>
-              <a:t>Important takeaways chapters </a:t>
-            </a:r>
-            <a:r>
-              <a:rPr lang="en-US" dirty="0" smtClean="0"/>
-              <a:t>12-13</a:t>
-            </a:r>
-            <a:endParaRPr lang="en-US" dirty="0"/>
-          </a:p>
-          <a:p>
-            <a:pPr lvl="1"/>
-            <a:r>
-              <a:rPr lang="en-US" dirty="0"/>
-              <a:t>Important takeaways chapters </a:t>
+              <a:t>takeaways chapters </a:t>
             </a:r>
             <a:r>
               <a:rPr lang="en-US" dirty="0" smtClean="0"/>
@@ -6098,8 +6077,13 @@
           <a:p>
             <a:r>
               <a:rPr lang="en-US" dirty="0"/>
-              <a:t>Important takeaways chapters 1-3</a:t>
-            </a:r>
+              <a:t>Important takeaways chapters </a:t>
+            </a:r>
+            <a:r>
+              <a:rPr lang="en-US" dirty="0" smtClean="0"/>
+              <a:t>30-33</a:t>
+            </a:r>
+            <a:endParaRPr lang="en-US" dirty="0"/>
           </a:p>
         </p:txBody>
       </p:sp>
@@ -6115,7 +6099,7 @@
         </p:nvSpPr>
         <p:spPr>
           <a:xfrm>
-            <a:off x="800100" y="2305353"/>
+            <a:off x="849086" y="2280860"/>
             <a:ext cx="10131425" cy="3649133"/>
           </a:xfrm>
         </p:spPr>
@@ -6123,9 +6107,6 @@
           <a:bodyPr/>
           <a:lstStyle/>
           <a:p>
-            <a:endParaRPr lang="en-US" dirty="0" smtClean="0"/>
-          </a:p>
-          <a:p>
             <a:endParaRPr lang="en-US" dirty="0"/>
           </a:p>
           <a:p>
@@ -6142,64 +6123,10 @@
           </a:p>
         </p:txBody>
       </p:sp>
-      <p:pic>
-        <p:nvPicPr>
-          <p:cNvPr id="5122" name="Picture 2"/>
-          <p:cNvPicPr>
-            <a:picLocks noChangeAspect="1" noChangeArrowheads="1"/>
-          </p:cNvPicPr>
-          <p:nvPr/>
-        </p:nvPicPr>
-        <p:blipFill>
-          <a:blip r:embed="rId2">
-            <a:extLst>
-              <a:ext uri="{28A0092B-C50C-407E-A947-70E740481C1C}">
-                <a14:useLocalDpi xmlns:a14="http://schemas.microsoft.com/office/drawing/2010/main" val="0"/>
-              </a:ext>
-            </a:extLst>
-          </a:blip>
-          <a:srcRect/>
-          <a:stretch>
-            <a:fillRect/>
-          </a:stretch>
-        </p:blipFill>
-        <p:spPr bwMode="auto">
-          <a:xfrm>
-            <a:off x="2845253" y="2203677"/>
-            <a:ext cx="5162550" cy="3495675"/>
-          </a:xfrm>
-          <a:prstGeom prst="rect">
-            <a:avLst/>
-          </a:prstGeom>
-          <a:noFill/>
-          <a:ln>
-            <a:noFill/>
-          </a:ln>
-          <a:extLst>
-            <a:ext uri="{909E8E84-426E-40DD-AFC4-6F175D3DCCD1}">
-              <a14:hiddenFill xmlns:a14="http://schemas.microsoft.com/office/drawing/2010/main">
-                <a:solidFill>
-                  <a:schemeClr val="accent1"/>
-                </a:solidFill>
-              </a14:hiddenFill>
-            </a:ext>
-            <a:ext uri="{91240B29-F687-4F45-9708-019B960494DF}">
-              <a14:hiddenLine xmlns:a14="http://schemas.microsoft.com/office/drawing/2010/main" w="9525">
-                <a:solidFill>
-                  <a:schemeClr val="tx1"/>
-                </a:solidFill>
-                <a:miter lim="800000"/>
-                <a:headEnd/>
-                <a:tailEnd/>
-              </a14:hiddenLine>
-            </a:ext>
-          </a:extLst>
-        </p:spPr>
-      </p:pic>
     </p:spTree>
     <p:extLst>
       <p:ext uri="{BB962C8B-B14F-4D97-AF65-F5344CB8AC3E}">
-        <p14:creationId xmlns:p14="http://schemas.microsoft.com/office/powerpoint/2010/main" val="1619458053"/>
+        <p14:creationId xmlns:p14="http://schemas.microsoft.com/office/powerpoint/2010/main" val="2653192324"/>
       </p:ext>
     </p:extLst>
   </p:cSld>
@@ -6249,1032 +6176,6 @@
           <a:lstStyle/>
           <a:p>
             <a:r>
-              <a:rPr lang="en-US" dirty="0"/>
-              <a:t>Important takeaways chapters 1-3</a:t>
-            </a:r>
-          </a:p>
-        </p:txBody>
-      </p:sp>
-      <p:sp>
-        <p:nvSpPr>
-          <p:cNvPr id="7" name="Content Placeholder 6"/>
-          <p:cNvSpPr>
-            <a:spLocks noGrp="1"/>
-          </p:cNvSpPr>
-          <p:nvPr>
-            <p:ph idx="1"/>
-          </p:nvPr>
-        </p:nvSpPr>
-        <p:spPr>
-          <a:xfrm>
-            <a:off x="800100" y="2305353"/>
-            <a:ext cx="10131425" cy="3649133"/>
-          </a:xfrm>
-        </p:spPr>
-        <p:txBody>
-          <a:bodyPr/>
-          <a:lstStyle/>
-          <a:p>
-            <a:endParaRPr lang="en-US" dirty="0" smtClean="0"/>
-          </a:p>
-          <a:p>
-            <a:endParaRPr lang="en-US" dirty="0"/>
-          </a:p>
-          <a:p>
-            <a:endParaRPr lang="en-US" dirty="0" smtClean="0"/>
-          </a:p>
-          <a:p>
-            <a:endParaRPr lang="en-US" dirty="0"/>
-          </a:p>
-          <a:p>
-            <a:endParaRPr lang="en-US" dirty="0" smtClean="0"/>
-          </a:p>
-          <a:p>
-            <a:endParaRPr lang="en-US" dirty="0"/>
-          </a:p>
-        </p:txBody>
-      </p:sp>
-      <p:pic>
-        <p:nvPicPr>
-          <p:cNvPr id="6146" name="Picture 2"/>
-          <p:cNvPicPr>
-            <a:picLocks noChangeAspect="1" noChangeArrowheads="1"/>
-          </p:cNvPicPr>
-          <p:nvPr/>
-        </p:nvPicPr>
-        <p:blipFill>
-          <a:blip r:embed="rId2">
-            <a:extLst>
-              <a:ext uri="{28A0092B-C50C-407E-A947-70E740481C1C}">
-                <a14:useLocalDpi xmlns:a14="http://schemas.microsoft.com/office/drawing/2010/main" val="0"/>
-              </a:ext>
-            </a:extLst>
-          </a:blip>
-          <a:srcRect/>
-          <a:stretch>
-            <a:fillRect/>
-          </a:stretch>
-        </p:blipFill>
-        <p:spPr bwMode="auto">
-          <a:xfrm>
-            <a:off x="3027589" y="1898196"/>
-            <a:ext cx="5353050" cy="4286250"/>
-          </a:xfrm>
-          <a:prstGeom prst="rect">
-            <a:avLst/>
-          </a:prstGeom>
-          <a:noFill/>
-          <a:ln>
-            <a:noFill/>
-          </a:ln>
-          <a:extLst>
-            <a:ext uri="{909E8E84-426E-40DD-AFC4-6F175D3DCCD1}">
-              <a14:hiddenFill xmlns:a14="http://schemas.microsoft.com/office/drawing/2010/main">
-                <a:solidFill>
-                  <a:schemeClr val="accent1"/>
-                </a:solidFill>
-              </a14:hiddenFill>
-            </a:ext>
-            <a:ext uri="{91240B29-F687-4F45-9708-019B960494DF}">
-              <a14:hiddenLine xmlns:a14="http://schemas.microsoft.com/office/drawing/2010/main" w="9525">
-                <a:solidFill>
-                  <a:schemeClr val="tx1"/>
-                </a:solidFill>
-                <a:miter lim="800000"/>
-                <a:headEnd/>
-                <a:tailEnd/>
-              </a14:hiddenLine>
-            </a:ext>
-          </a:extLst>
-        </p:spPr>
-      </p:pic>
-    </p:spTree>
-    <p:extLst>
-      <p:ext uri="{BB962C8B-B14F-4D97-AF65-F5344CB8AC3E}">
-        <p14:creationId xmlns:p14="http://schemas.microsoft.com/office/powerpoint/2010/main" val="1713841411"/>
-      </p:ext>
-    </p:extLst>
-  </p:cSld>
-  <p:clrMapOvr>
-    <a:masterClrMapping/>
-  </p:clrMapOvr>
-  <p:timing>
-    <p:tnLst>
-      <p:par>
-        <p:cTn id="1" dur="indefinite" restart="never" nodeType="tmRoot"/>
-      </p:par>
-    </p:tnLst>
-  </p:timing>
-</p:sld>
-</file>
-
-<file path=ppt/slides/slide13.xml><?xml version="1.0" encoding="utf-8"?>
-<p:sld xmlns:a="http://schemas.openxmlformats.org/drawingml/2006/main" xmlns:r="http://schemas.openxmlformats.org/officeDocument/2006/relationships" xmlns:p="http://schemas.openxmlformats.org/presentationml/2006/main">
-  <p:cSld>
-    <p:spTree>
-      <p:nvGrpSpPr>
-        <p:cNvPr id="1" name=""/>
-        <p:cNvGrpSpPr/>
-        <p:nvPr/>
-      </p:nvGrpSpPr>
-      <p:grpSpPr>
-        <a:xfrm>
-          <a:off x="0" y="0"/>
-          <a:ext cx="0" cy="0"/>
-          <a:chOff x="0" y="0"/>
-          <a:chExt cx="0" cy="0"/>
-        </a:xfrm>
-      </p:grpSpPr>
-      <p:sp>
-        <p:nvSpPr>
-          <p:cNvPr id="2" name="Title 1"/>
-          <p:cNvSpPr>
-            <a:spLocks noGrp="1"/>
-          </p:cNvSpPr>
-          <p:nvPr>
-            <p:ph type="title"/>
-          </p:nvPr>
-        </p:nvSpPr>
-        <p:spPr/>
-        <p:txBody>
-          <a:bodyPr/>
-          <a:lstStyle/>
-          <a:p>
-            <a:r>
-              <a:rPr lang="en-US" dirty="0"/>
-              <a:t>Important takeaways chapters 1-3</a:t>
-            </a:r>
-          </a:p>
-        </p:txBody>
-      </p:sp>
-      <p:sp>
-        <p:nvSpPr>
-          <p:cNvPr id="7" name="Content Placeholder 6"/>
-          <p:cNvSpPr>
-            <a:spLocks noGrp="1"/>
-          </p:cNvSpPr>
-          <p:nvPr>
-            <p:ph idx="1"/>
-          </p:nvPr>
-        </p:nvSpPr>
-        <p:spPr>
-          <a:xfrm>
-            <a:off x="800100" y="2305353"/>
-            <a:ext cx="10131425" cy="3649133"/>
-          </a:xfrm>
-        </p:spPr>
-        <p:txBody>
-          <a:bodyPr/>
-          <a:lstStyle/>
-          <a:p>
-            <a:endParaRPr lang="en-US" smtClean="0"/>
-          </a:p>
-          <a:p>
-            <a:endParaRPr lang="en-US" smtClean="0"/>
-          </a:p>
-          <a:p>
-            <a:endParaRPr lang="en-US" smtClean="0"/>
-          </a:p>
-          <a:p>
-            <a:endParaRPr lang="en-US" smtClean="0"/>
-          </a:p>
-          <a:p>
-            <a:endParaRPr lang="en-US" smtClean="0"/>
-          </a:p>
-          <a:p>
-            <a:endParaRPr lang="en-US" dirty="0"/>
-          </a:p>
-        </p:txBody>
-      </p:sp>
-      <p:pic>
-        <p:nvPicPr>
-          <p:cNvPr id="7170" name="Picture 2"/>
-          <p:cNvPicPr>
-            <a:picLocks noChangeAspect="1" noChangeArrowheads="1"/>
-          </p:cNvPicPr>
-          <p:nvPr/>
-        </p:nvPicPr>
-        <p:blipFill>
-          <a:blip r:embed="rId2">
-            <a:extLst>
-              <a:ext uri="{28A0092B-C50C-407E-A947-70E740481C1C}">
-                <a14:useLocalDpi xmlns:a14="http://schemas.microsoft.com/office/drawing/2010/main" val="0"/>
-              </a:ext>
-            </a:extLst>
-          </a:blip>
-          <a:srcRect/>
-          <a:stretch>
-            <a:fillRect/>
-          </a:stretch>
-        </p:blipFill>
-        <p:spPr bwMode="auto">
-          <a:xfrm>
-            <a:off x="3179989" y="2626179"/>
-            <a:ext cx="5162550" cy="2895600"/>
-          </a:xfrm>
-          <a:prstGeom prst="rect">
-            <a:avLst/>
-          </a:prstGeom>
-          <a:noFill/>
-          <a:ln>
-            <a:noFill/>
-          </a:ln>
-          <a:extLst>
-            <a:ext uri="{909E8E84-426E-40DD-AFC4-6F175D3DCCD1}">
-              <a14:hiddenFill xmlns:a14="http://schemas.microsoft.com/office/drawing/2010/main">
-                <a:solidFill>
-                  <a:schemeClr val="accent1"/>
-                </a:solidFill>
-              </a14:hiddenFill>
-            </a:ext>
-            <a:ext uri="{91240B29-F687-4F45-9708-019B960494DF}">
-              <a14:hiddenLine xmlns:a14="http://schemas.microsoft.com/office/drawing/2010/main" w="9525">
-                <a:solidFill>
-                  <a:schemeClr val="tx1"/>
-                </a:solidFill>
-                <a:miter lim="800000"/>
-                <a:headEnd/>
-                <a:tailEnd/>
-              </a14:hiddenLine>
-            </a:ext>
-          </a:extLst>
-        </p:spPr>
-      </p:pic>
-    </p:spTree>
-    <p:extLst>
-      <p:ext uri="{BB962C8B-B14F-4D97-AF65-F5344CB8AC3E}">
-        <p14:creationId xmlns:p14="http://schemas.microsoft.com/office/powerpoint/2010/main" val="628661106"/>
-      </p:ext>
-    </p:extLst>
-  </p:cSld>
-  <p:clrMapOvr>
-    <a:masterClrMapping/>
-  </p:clrMapOvr>
-  <p:timing>
-    <p:tnLst>
-      <p:par>
-        <p:cTn id="1" dur="indefinite" restart="never" nodeType="tmRoot"/>
-      </p:par>
-    </p:tnLst>
-  </p:timing>
-</p:sld>
-</file>
-
-<file path=ppt/slides/slide14.xml><?xml version="1.0" encoding="utf-8"?>
-<p:sld xmlns:a="http://schemas.openxmlformats.org/drawingml/2006/main" xmlns:r="http://schemas.openxmlformats.org/officeDocument/2006/relationships" xmlns:p="http://schemas.openxmlformats.org/presentationml/2006/main">
-  <p:cSld>
-    <p:spTree>
-      <p:nvGrpSpPr>
-        <p:cNvPr id="1" name=""/>
-        <p:cNvGrpSpPr/>
-        <p:nvPr/>
-      </p:nvGrpSpPr>
-      <p:grpSpPr>
-        <a:xfrm>
-          <a:off x="0" y="0"/>
-          <a:ext cx="0" cy="0"/>
-          <a:chOff x="0" y="0"/>
-          <a:chExt cx="0" cy="0"/>
-        </a:xfrm>
-      </p:grpSpPr>
-      <p:sp>
-        <p:nvSpPr>
-          <p:cNvPr id="2" name="Title 1"/>
-          <p:cNvSpPr>
-            <a:spLocks noGrp="1"/>
-          </p:cNvSpPr>
-          <p:nvPr>
-            <p:ph type="title"/>
-          </p:nvPr>
-        </p:nvSpPr>
-        <p:spPr/>
-        <p:txBody>
-          <a:bodyPr/>
-          <a:lstStyle/>
-          <a:p>
-            <a:r>
-              <a:rPr lang="en-US" dirty="0"/>
-              <a:t>Important takeaways chapters 1-3</a:t>
-            </a:r>
-          </a:p>
-        </p:txBody>
-      </p:sp>
-      <p:sp>
-        <p:nvSpPr>
-          <p:cNvPr id="7" name="Content Placeholder 6"/>
-          <p:cNvSpPr>
-            <a:spLocks noGrp="1"/>
-          </p:cNvSpPr>
-          <p:nvPr>
-            <p:ph idx="1"/>
-          </p:nvPr>
-        </p:nvSpPr>
-        <p:spPr>
-          <a:xfrm>
-            <a:off x="800100" y="2305353"/>
-            <a:ext cx="10131425" cy="3649133"/>
-          </a:xfrm>
-        </p:spPr>
-        <p:txBody>
-          <a:bodyPr/>
-          <a:lstStyle/>
-          <a:p>
-            <a:r>
-              <a:rPr lang="en-US" dirty="0"/>
-              <a:t>Since radio waves are scattered in different amounts by</a:t>
-            </a:r>
-            <a:br>
-              <a:rPr lang="en-US" dirty="0"/>
-            </a:br>
-            <a:r>
-              <a:rPr lang="en-US" dirty="0"/>
-              <a:t>different features of the terrain, a radar can map the</a:t>
-            </a:r>
-            <a:br>
-              <a:rPr lang="en-US" dirty="0"/>
-            </a:br>
-            <a:r>
-              <a:rPr lang="en-US" dirty="0"/>
-              <a:t>ground. With SAR, detailed maps can be made.</a:t>
-            </a:r>
-            <a:br>
-              <a:rPr lang="en-US" dirty="0"/>
-            </a:br>
-            <a:endParaRPr lang="en-US" dirty="0" smtClean="0"/>
-          </a:p>
-          <a:p>
-            <a:endParaRPr lang="en-US" dirty="0"/>
-          </a:p>
-          <a:p>
-            <a:endParaRPr lang="en-US" dirty="0" smtClean="0"/>
-          </a:p>
-          <a:p>
-            <a:endParaRPr lang="en-US" dirty="0"/>
-          </a:p>
-          <a:p>
-            <a:endParaRPr lang="en-US" dirty="0" smtClean="0"/>
-          </a:p>
-          <a:p>
-            <a:endParaRPr lang="en-US" dirty="0"/>
-          </a:p>
-        </p:txBody>
-      </p:sp>
-      <p:pic>
-        <p:nvPicPr>
-          <p:cNvPr id="8194" name="Picture 2"/>
-          <p:cNvPicPr>
-            <a:picLocks noChangeAspect="1" noChangeArrowheads="1"/>
-          </p:cNvPicPr>
-          <p:nvPr/>
-        </p:nvPicPr>
-        <p:blipFill>
-          <a:blip r:embed="rId2">
-            <a:extLst>
-              <a:ext uri="{28A0092B-C50C-407E-A947-70E740481C1C}">
-                <a14:useLocalDpi xmlns:a14="http://schemas.microsoft.com/office/drawing/2010/main" val="0"/>
-              </a:ext>
-            </a:extLst>
-          </a:blip>
-          <a:srcRect/>
-          <a:stretch>
-            <a:fillRect/>
-          </a:stretch>
-        </p:blipFill>
-        <p:spPr bwMode="auto">
-          <a:xfrm>
-            <a:off x="6922635" y="1632856"/>
-            <a:ext cx="4257675" cy="4875439"/>
-          </a:xfrm>
-          <a:prstGeom prst="rect">
-            <a:avLst/>
-          </a:prstGeom>
-          <a:noFill/>
-          <a:ln>
-            <a:noFill/>
-          </a:ln>
-          <a:extLst>
-            <a:ext uri="{909E8E84-426E-40DD-AFC4-6F175D3DCCD1}">
-              <a14:hiddenFill xmlns:a14="http://schemas.microsoft.com/office/drawing/2010/main">
-                <a:solidFill>
-                  <a:schemeClr val="accent1"/>
-                </a:solidFill>
-              </a14:hiddenFill>
-            </a:ext>
-            <a:ext uri="{91240B29-F687-4F45-9708-019B960494DF}">
-              <a14:hiddenLine xmlns:a14="http://schemas.microsoft.com/office/drawing/2010/main" w="9525">
-                <a:solidFill>
-                  <a:schemeClr val="tx1"/>
-                </a:solidFill>
-                <a:miter lim="800000"/>
-                <a:headEnd/>
-                <a:tailEnd/>
-              </a14:hiddenLine>
-            </a:ext>
-          </a:extLst>
-        </p:spPr>
-      </p:pic>
-    </p:spTree>
-    <p:extLst>
-      <p:ext uri="{BB962C8B-B14F-4D97-AF65-F5344CB8AC3E}">
-        <p14:creationId xmlns:p14="http://schemas.microsoft.com/office/powerpoint/2010/main" val="970627715"/>
-      </p:ext>
-    </p:extLst>
-  </p:cSld>
-  <p:clrMapOvr>
-    <a:masterClrMapping/>
-  </p:clrMapOvr>
-  <p:timing>
-    <p:tnLst>
-      <p:par>
-        <p:cTn id="1" dur="indefinite" restart="never" nodeType="tmRoot"/>
-      </p:par>
-    </p:tnLst>
-  </p:timing>
-</p:sld>
-</file>
-
-<file path=ppt/slides/slide15.xml><?xml version="1.0" encoding="utf-8"?>
-<p:sld xmlns:a="http://schemas.openxmlformats.org/drawingml/2006/main" xmlns:r="http://schemas.openxmlformats.org/officeDocument/2006/relationships" xmlns:p="http://schemas.openxmlformats.org/presentationml/2006/main">
-  <p:cSld>
-    <p:spTree>
-      <p:nvGrpSpPr>
-        <p:cNvPr id="1" name=""/>
-        <p:cNvGrpSpPr/>
-        <p:nvPr/>
-      </p:nvGrpSpPr>
-      <p:grpSpPr>
-        <a:xfrm>
-          <a:off x="0" y="0"/>
-          <a:ext cx="0" cy="0"/>
-          <a:chOff x="0" y="0"/>
-          <a:chExt cx="0" cy="0"/>
-        </a:xfrm>
-      </p:grpSpPr>
-      <p:sp>
-        <p:nvSpPr>
-          <p:cNvPr id="2" name="Title 1"/>
-          <p:cNvSpPr>
-            <a:spLocks noGrp="1"/>
-          </p:cNvSpPr>
-          <p:nvPr>
-            <p:ph type="title"/>
-          </p:nvPr>
-        </p:nvSpPr>
-        <p:spPr/>
-        <p:txBody>
-          <a:bodyPr/>
-          <a:lstStyle/>
-          <a:p>
-            <a:r>
-              <a:rPr lang="en-US" dirty="0"/>
-              <a:t>Important takeaways chapters 1-3</a:t>
-            </a:r>
-          </a:p>
-        </p:txBody>
-      </p:sp>
-      <p:sp>
-        <p:nvSpPr>
-          <p:cNvPr id="7" name="Content Placeholder 6"/>
-          <p:cNvSpPr>
-            <a:spLocks noGrp="1"/>
-          </p:cNvSpPr>
-          <p:nvPr>
-            <p:ph idx="1"/>
-          </p:nvPr>
-        </p:nvSpPr>
-        <p:spPr>
-          <a:xfrm>
-            <a:off x="800100" y="2305353"/>
-            <a:ext cx="10131425" cy="3649133"/>
-          </a:xfrm>
-        </p:spPr>
-        <p:txBody>
-          <a:bodyPr/>
-          <a:lstStyle/>
-          <a:p>
-            <a:endParaRPr lang="en-US" dirty="0" smtClean="0"/>
-          </a:p>
-          <a:p>
-            <a:endParaRPr lang="en-US" dirty="0"/>
-          </a:p>
-          <a:p>
-            <a:endParaRPr lang="en-US" dirty="0" smtClean="0"/>
-          </a:p>
-          <a:p>
-            <a:endParaRPr lang="en-US" dirty="0"/>
-          </a:p>
-          <a:p>
-            <a:endParaRPr lang="en-US" dirty="0" smtClean="0"/>
-          </a:p>
-          <a:p>
-            <a:endParaRPr lang="en-US" dirty="0"/>
-          </a:p>
-        </p:txBody>
-      </p:sp>
-      <p:pic>
-        <p:nvPicPr>
-          <p:cNvPr id="9218" name="Picture 2"/>
-          <p:cNvPicPr>
-            <a:picLocks noChangeAspect="1" noChangeArrowheads="1"/>
-          </p:cNvPicPr>
-          <p:nvPr/>
-        </p:nvPicPr>
-        <p:blipFill>
-          <a:blip r:embed="rId2">
-            <a:extLst>
-              <a:ext uri="{28A0092B-C50C-407E-A947-70E740481C1C}">
-                <a14:useLocalDpi xmlns:a14="http://schemas.microsoft.com/office/drawing/2010/main" val="0"/>
-              </a:ext>
-            </a:extLst>
-          </a:blip>
-          <a:srcRect/>
-          <a:stretch>
-            <a:fillRect/>
-          </a:stretch>
-        </p:blipFill>
-        <p:spPr bwMode="auto">
-          <a:xfrm>
-            <a:off x="1049791" y="1772924"/>
-            <a:ext cx="7715250" cy="2330990"/>
-          </a:xfrm>
-          <a:prstGeom prst="rect">
-            <a:avLst/>
-          </a:prstGeom>
-          <a:noFill/>
-          <a:ln>
-            <a:noFill/>
-          </a:ln>
-          <a:extLst>
-            <a:ext uri="{909E8E84-426E-40DD-AFC4-6F175D3DCCD1}">
-              <a14:hiddenFill xmlns:a14="http://schemas.microsoft.com/office/drawing/2010/main">
-                <a:solidFill>
-                  <a:schemeClr val="accent1"/>
-                </a:solidFill>
-              </a14:hiddenFill>
-            </a:ext>
-            <a:ext uri="{91240B29-F687-4F45-9708-019B960494DF}">
-              <a14:hiddenLine xmlns:a14="http://schemas.microsoft.com/office/drawing/2010/main" w="9525">
-                <a:solidFill>
-                  <a:schemeClr val="tx1"/>
-                </a:solidFill>
-                <a:miter lim="800000"/>
-                <a:headEnd/>
-                <a:tailEnd/>
-              </a14:hiddenLine>
-            </a:ext>
-          </a:extLst>
-        </p:spPr>
-      </p:pic>
-      <p:pic>
-        <p:nvPicPr>
-          <p:cNvPr id="9219" name="Picture 3"/>
-          <p:cNvPicPr>
-            <a:picLocks noChangeAspect="1" noChangeArrowheads="1"/>
-          </p:cNvPicPr>
-          <p:nvPr/>
-        </p:nvPicPr>
-        <p:blipFill>
-          <a:blip r:embed="rId3">
-            <a:extLst>
-              <a:ext uri="{28A0092B-C50C-407E-A947-70E740481C1C}">
-                <a14:useLocalDpi xmlns:a14="http://schemas.microsoft.com/office/drawing/2010/main" val="0"/>
-              </a:ext>
-            </a:extLst>
-          </a:blip>
-          <a:srcRect/>
-          <a:stretch>
-            <a:fillRect/>
-          </a:stretch>
-        </p:blipFill>
-        <p:spPr bwMode="auto">
-          <a:xfrm>
-            <a:off x="1049792" y="4275364"/>
-            <a:ext cx="7715249" cy="2522694"/>
-          </a:xfrm>
-          <a:prstGeom prst="rect">
-            <a:avLst/>
-          </a:prstGeom>
-          <a:noFill/>
-          <a:ln>
-            <a:noFill/>
-          </a:ln>
-          <a:extLst>
-            <a:ext uri="{909E8E84-426E-40DD-AFC4-6F175D3DCCD1}">
-              <a14:hiddenFill xmlns:a14="http://schemas.microsoft.com/office/drawing/2010/main">
-                <a:solidFill>
-                  <a:schemeClr val="accent1"/>
-                </a:solidFill>
-              </a14:hiddenFill>
-            </a:ext>
-            <a:ext uri="{91240B29-F687-4F45-9708-019B960494DF}">
-              <a14:hiddenLine xmlns:a14="http://schemas.microsoft.com/office/drawing/2010/main" w="9525">
-                <a:solidFill>
-                  <a:schemeClr val="tx1"/>
-                </a:solidFill>
-                <a:miter lim="800000"/>
-                <a:headEnd/>
-                <a:tailEnd/>
-              </a14:hiddenLine>
-            </a:ext>
-          </a:extLst>
-        </p:spPr>
-      </p:pic>
-    </p:spTree>
-    <p:extLst>
-      <p:ext uri="{BB962C8B-B14F-4D97-AF65-F5344CB8AC3E}">
-        <p14:creationId xmlns:p14="http://schemas.microsoft.com/office/powerpoint/2010/main" val="2121748092"/>
-      </p:ext>
-    </p:extLst>
-  </p:cSld>
-  <p:clrMapOvr>
-    <a:masterClrMapping/>
-  </p:clrMapOvr>
-  <p:timing>
-    <p:tnLst>
-      <p:par>
-        <p:cTn id="1" dur="indefinite" restart="never" nodeType="tmRoot"/>
-      </p:par>
-    </p:tnLst>
-  </p:timing>
-</p:sld>
-</file>
-
-<file path=ppt/slides/slide16.xml><?xml version="1.0" encoding="utf-8"?>
-<p:sld xmlns:a="http://schemas.openxmlformats.org/drawingml/2006/main" xmlns:r="http://schemas.openxmlformats.org/officeDocument/2006/relationships" xmlns:p="http://schemas.openxmlformats.org/presentationml/2006/main">
-  <p:cSld>
-    <p:spTree>
-      <p:nvGrpSpPr>
-        <p:cNvPr id="1" name=""/>
-        <p:cNvGrpSpPr/>
-        <p:nvPr/>
-      </p:nvGrpSpPr>
-      <p:grpSpPr>
-        <a:xfrm>
-          <a:off x="0" y="0"/>
-          <a:ext cx="0" cy="0"/>
-          <a:chOff x="0" y="0"/>
-          <a:chExt cx="0" cy="0"/>
-        </a:xfrm>
-      </p:grpSpPr>
-      <p:sp>
-        <p:nvSpPr>
-          <p:cNvPr id="2" name="Title 1"/>
-          <p:cNvSpPr>
-            <a:spLocks noGrp="1"/>
-          </p:cNvSpPr>
-          <p:nvPr>
-            <p:ph type="title"/>
-          </p:nvPr>
-        </p:nvSpPr>
-        <p:spPr/>
-        <p:txBody>
-          <a:bodyPr/>
-          <a:lstStyle/>
-          <a:p>
-            <a:r>
-              <a:rPr lang="en-US" dirty="0"/>
-              <a:t>Important takeaways chapters 1-3</a:t>
-            </a:r>
-          </a:p>
-        </p:txBody>
-      </p:sp>
-      <p:sp>
-        <p:nvSpPr>
-          <p:cNvPr id="7" name="Content Placeholder 6"/>
-          <p:cNvSpPr>
-            <a:spLocks noGrp="1"/>
-          </p:cNvSpPr>
-          <p:nvPr>
-            <p:ph idx="1"/>
-          </p:nvPr>
-        </p:nvSpPr>
-        <p:spPr>
-          <a:xfrm>
-            <a:off x="849086" y="2280860"/>
-            <a:ext cx="10131425" cy="3649133"/>
-          </a:xfrm>
-        </p:spPr>
-        <p:txBody>
-          <a:bodyPr/>
-          <a:lstStyle/>
-          <a:p>
-            <a:r>
-              <a:rPr lang="en-US" dirty="0"/>
-              <a:t>Law Enforcement. Both SLAR and SAR have </a:t>
-            </a:r>
-            <a:r>
-              <a:rPr lang="en-US" dirty="0" smtClean="0"/>
-              <a:t>played important </a:t>
-            </a:r>
-            <a:r>
-              <a:rPr lang="en-US" dirty="0"/>
-              <a:t>roles in oil-spill detection, fishery protection, </a:t>
-            </a:r>
-            <a:r>
-              <a:rPr lang="en-US" dirty="0" smtClean="0"/>
-              <a:t>and the </a:t>
-            </a:r>
-            <a:r>
-              <a:rPr lang="en-US" dirty="0"/>
-              <a:t>interdiction of smugglers and drug traffickers. </a:t>
-            </a:r>
-            <a:r>
-              <a:rPr lang="en-US" dirty="0" smtClean="0"/>
-              <a:t>Since SAR </a:t>
-            </a:r>
-            <a:r>
-              <a:rPr lang="en-US" dirty="0"/>
-              <a:t>can provide fine resolution at long ranges, it has </a:t>
-            </a:r>
-            <a:r>
-              <a:rPr lang="en-US" dirty="0" smtClean="0"/>
-              <a:t>the advantage </a:t>
-            </a:r>
-            <a:r>
-              <a:rPr lang="en-US" dirty="0"/>
-              <a:t>of uncovering illicit activities without alerting </a:t>
-            </a:r>
-            <a:r>
-              <a:rPr lang="en-US" dirty="0" smtClean="0"/>
-              <a:t>the law </a:t>
-            </a:r>
-            <a:r>
-              <a:rPr lang="en-US" dirty="0"/>
-              <a:t>breakers (Fig. 13).</a:t>
-            </a:r>
-            <a:endParaRPr lang="en-US" dirty="0" smtClean="0"/>
-          </a:p>
-          <a:p>
-            <a:endParaRPr lang="en-US" dirty="0"/>
-          </a:p>
-          <a:p>
-            <a:endParaRPr lang="en-US" dirty="0" smtClean="0"/>
-          </a:p>
-          <a:p>
-            <a:endParaRPr lang="en-US" dirty="0"/>
-          </a:p>
-          <a:p>
-            <a:endParaRPr lang="en-US" dirty="0" smtClean="0"/>
-          </a:p>
-          <a:p>
-            <a:endParaRPr lang="en-US" dirty="0"/>
-          </a:p>
-        </p:txBody>
-      </p:sp>
-      <p:pic>
-        <p:nvPicPr>
-          <p:cNvPr id="10243" name="Picture 3"/>
-          <p:cNvPicPr>
-            <a:picLocks noChangeAspect="1" noChangeArrowheads="1"/>
-          </p:cNvPicPr>
-          <p:nvPr/>
-        </p:nvPicPr>
-        <p:blipFill>
-          <a:blip r:embed="rId2">
-            <a:extLst>
-              <a:ext uri="{28A0092B-C50C-407E-A947-70E740481C1C}">
-                <a14:useLocalDpi xmlns:a14="http://schemas.microsoft.com/office/drawing/2010/main" val="0"/>
-              </a:ext>
-            </a:extLst>
-          </a:blip>
-          <a:srcRect/>
-          <a:stretch>
-            <a:fillRect/>
-          </a:stretch>
-        </p:blipFill>
-        <p:spPr bwMode="auto">
-          <a:xfrm>
-            <a:off x="2763611" y="3609295"/>
-            <a:ext cx="5619750" cy="2905125"/>
-          </a:xfrm>
-          <a:prstGeom prst="rect">
-            <a:avLst/>
-          </a:prstGeom>
-          <a:noFill/>
-          <a:ln>
-            <a:noFill/>
-          </a:ln>
-          <a:extLst>
-            <a:ext uri="{909E8E84-426E-40DD-AFC4-6F175D3DCCD1}">
-              <a14:hiddenFill xmlns:a14="http://schemas.microsoft.com/office/drawing/2010/main">
-                <a:solidFill>
-                  <a:schemeClr val="accent1"/>
-                </a:solidFill>
-              </a14:hiddenFill>
-            </a:ext>
-            <a:ext uri="{91240B29-F687-4F45-9708-019B960494DF}">
-              <a14:hiddenLine xmlns:a14="http://schemas.microsoft.com/office/drawing/2010/main" w="9525">
-                <a:solidFill>
-                  <a:schemeClr val="tx1"/>
-                </a:solidFill>
-                <a:miter lim="800000"/>
-                <a:headEnd/>
-                <a:tailEnd/>
-              </a14:hiddenLine>
-            </a:ext>
-          </a:extLst>
-        </p:spPr>
-      </p:pic>
-    </p:spTree>
-    <p:extLst>
-      <p:ext uri="{BB962C8B-B14F-4D97-AF65-F5344CB8AC3E}">
-        <p14:creationId xmlns:p14="http://schemas.microsoft.com/office/powerpoint/2010/main" val="2653192324"/>
-      </p:ext>
-    </p:extLst>
-  </p:cSld>
-  <p:clrMapOvr>
-    <a:masterClrMapping/>
-  </p:clrMapOvr>
-  <p:timing>
-    <p:tnLst>
-      <p:par>
-        <p:cTn id="1" dur="indefinite" restart="never" nodeType="tmRoot"/>
-      </p:par>
-    </p:tnLst>
-  </p:timing>
-</p:sld>
-</file>
-
-<file path=ppt/slides/slide17.xml><?xml version="1.0" encoding="utf-8"?>
-<p:sld xmlns:a="http://schemas.openxmlformats.org/drawingml/2006/main" xmlns:r="http://schemas.openxmlformats.org/officeDocument/2006/relationships" xmlns:p="http://schemas.openxmlformats.org/presentationml/2006/main">
-  <p:cSld>
-    <p:spTree>
-      <p:nvGrpSpPr>
-        <p:cNvPr id="1" name=""/>
-        <p:cNvGrpSpPr/>
-        <p:nvPr/>
-      </p:nvGrpSpPr>
-      <p:grpSpPr>
-        <a:xfrm>
-          <a:off x="0" y="0"/>
-          <a:ext cx="0" cy="0"/>
-          <a:chOff x="0" y="0"/>
-          <a:chExt cx="0" cy="0"/>
-        </a:xfrm>
-      </p:grpSpPr>
-      <p:sp>
-        <p:nvSpPr>
-          <p:cNvPr id="2" name="Title 1"/>
-          <p:cNvSpPr>
-            <a:spLocks noGrp="1"/>
-          </p:cNvSpPr>
-          <p:nvPr>
-            <p:ph type="title"/>
-          </p:nvPr>
-        </p:nvSpPr>
-        <p:spPr/>
-        <p:txBody>
-          <a:bodyPr/>
-          <a:lstStyle/>
-          <a:p>
-            <a:r>
-              <a:rPr lang="en-US" dirty="0"/>
-              <a:t>Important takeaways chapters </a:t>
-            </a:r>
-            <a:r>
-              <a:rPr lang="en-US" dirty="0" smtClean="0"/>
-              <a:t>12-13</a:t>
-            </a:r>
-            <a:endParaRPr lang="en-US" dirty="0"/>
-          </a:p>
-        </p:txBody>
-      </p:sp>
-      <p:sp>
-        <p:nvSpPr>
-          <p:cNvPr id="7" name="Content Placeholder 6"/>
-          <p:cNvSpPr>
-            <a:spLocks noGrp="1"/>
-          </p:cNvSpPr>
-          <p:nvPr>
-            <p:ph idx="1"/>
-          </p:nvPr>
-        </p:nvSpPr>
-        <p:spPr>
-          <a:xfrm>
-            <a:off x="849086" y="2280860"/>
-            <a:ext cx="10131425" cy="3649133"/>
-          </a:xfrm>
-        </p:spPr>
-        <p:txBody>
-          <a:bodyPr/>
-          <a:lstStyle/>
-          <a:p>
-            <a:r>
-              <a:rPr lang="en-US" dirty="0"/>
-              <a:t>Law Enforcement. Both SLAR and SAR have </a:t>
-            </a:r>
-            <a:r>
-              <a:rPr lang="en-US" dirty="0" smtClean="0"/>
-              <a:t>played important </a:t>
-            </a:r>
-            <a:r>
-              <a:rPr lang="en-US" dirty="0"/>
-              <a:t>roles in oil-spill detection, fishery protection, </a:t>
-            </a:r>
-            <a:r>
-              <a:rPr lang="en-US" dirty="0" smtClean="0"/>
-              <a:t>and the </a:t>
-            </a:r>
-            <a:r>
-              <a:rPr lang="en-US" dirty="0"/>
-              <a:t>interdiction of smugglers and drug traffickers. </a:t>
-            </a:r>
-            <a:r>
-              <a:rPr lang="en-US" dirty="0" smtClean="0"/>
-              <a:t>Since SAR </a:t>
-            </a:r>
-            <a:r>
-              <a:rPr lang="en-US" dirty="0"/>
-              <a:t>can provide fine resolution at long ranges, it has </a:t>
-            </a:r>
-            <a:r>
-              <a:rPr lang="en-US" dirty="0" smtClean="0"/>
-              <a:t>the advantage </a:t>
-            </a:r>
-            <a:r>
-              <a:rPr lang="en-US" dirty="0"/>
-              <a:t>of uncovering illicit activities without alerting </a:t>
-            </a:r>
-            <a:r>
-              <a:rPr lang="en-US" dirty="0" smtClean="0"/>
-              <a:t>the law </a:t>
-            </a:r>
-            <a:r>
-              <a:rPr lang="en-US" dirty="0"/>
-              <a:t>breakers (Fig. 13).</a:t>
-            </a:r>
-            <a:endParaRPr lang="en-US" dirty="0" smtClean="0"/>
-          </a:p>
-          <a:p>
-            <a:endParaRPr lang="en-US" dirty="0"/>
-          </a:p>
-          <a:p>
-            <a:endParaRPr lang="en-US" dirty="0" smtClean="0"/>
-          </a:p>
-          <a:p>
-            <a:endParaRPr lang="en-US" dirty="0"/>
-          </a:p>
-          <a:p>
-            <a:endParaRPr lang="en-US" dirty="0" smtClean="0"/>
-          </a:p>
-          <a:p>
-            <a:endParaRPr lang="en-US" dirty="0"/>
-          </a:p>
-        </p:txBody>
-      </p:sp>
-    </p:spTree>
-    <p:extLst>
-      <p:ext uri="{BB962C8B-B14F-4D97-AF65-F5344CB8AC3E}">
-        <p14:creationId xmlns:p14="http://schemas.microsoft.com/office/powerpoint/2010/main" val="2148012744"/>
-      </p:ext>
-    </p:extLst>
-  </p:cSld>
-  <p:clrMapOvr>
-    <a:masterClrMapping/>
-  </p:clrMapOvr>
-  <p:timing>
-    <p:tnLst>
-      <p:par>
-        <p:cTn id="1" dur="indefinite" restart="never" nodeType="tmRoot"/>
-      </p:par>
-    </p:tnLst>
-  </p:timing>
-</p:sld>
-</file>
-
-<file path=ppt/slides/slide18.xml><?xml version="1.0" encoding="utf-8"?>
-<p:sld xmlns:a="http://schemas.openxmlformats.org/drawingml/2006/main" xmlns:r="http://schemas.openxmlformats.org/officeDocument/2006/relationships" xmlns:p="http://schemas.openxmlformats.org/presentationml/2006/main">
-  <p:cSld>
-    <p:spTree>
-      <p:nvGrpSpPr>
-        <p:cNvPr id="1" name=""/>
-        <p:cNvGrpSpPr/>
-        <p:nvPr/>
-      </p:nvGrpSpPr>
-      <p:grpSpPr>
-        <a:xfrm>
-          <a:off x="0" y="0"/>
-          <a:ext cx="0" cy="0"/>
-          <a:chOff x="0" y="0"/>
-          <a:chExt cx="0" cy="0"/>
-        </a:xfrm>
-      </p:grpSpPr>
-      <p:sp>
-        <p:nvSpPr>
-          <p:cNvPr id="2" name="Title 1"/>
-          <p:cNvSpPr>
-            <a:spLocks noGrp="1"/>
-          </p:cNvSpPr>
-          <p:nvPr>
-            <p:ph type="title"/>
-          </p:nvPr>
-        </p:nvSpPr>
-        <p:spPr/>
-        <p:txBody>
-          <a:bodyPr/>
-          <a:lstStyle/>
-          <a:p>
-            <a:r>
               <a:rPr lang="en-US" dirty="0" smtClean="0"/>
               <a:t>Choosing a corner reflector</a:t>
             </a:r>
@@ -7333,7 +6234,7 @@
 </p:sld>
 </file>
 
-<file path=ppt/slides/slide19.xml><?xml version="1.0" encoding="utf-8"?>
+<file path=ppt/slides/slide13.xml><?xml version="1.0" encoding="utf-8"?>
 <p:sld xmlns:a="http://schemas.openxmlformats.org/drawingml/2006/main" xmlns:r="http://schemas.openxmlformats.org/officeDocument/2006/relationships" xmlns:p="http://schemas.openxmlformats.org/presentationml/2006/main">
   <p:cSld>
     <p:spTree>
@@ -7551,7 +6452,7 @@
 </p:sld>
 </file>
 
-<file path=ppt/slides/slide2.xml><?xml version="1.0" encoding="utf-8"?>
+<file path=ppt/slides/slide14.xml><?xml version="1.0" encoding="utf-8"?>
 <p:sld xmlns:a="http://schemas.openxmlformats.org/drawingml/2006/main" xmlns:r="http://schemas.openxmlformats.org/officeDocument/2006/relationships" xmlns:p="http://schemas.openxmlformats.org/presentationml/2006/main">
   <p:cSld>
     <p:spTree>
@@ -7585,117 +6486,6 @@
           <a:p>
             <a:r>
               <a:rPr lang="en-US" dirty="0" smtClean="0"/>
-              <a:t>Sprint OBECTIVE</a:t>
-            </a:r>
-            <a:endParaRPr lang="en-US" dirty="0"/>
-          </a:p>
-        </p:txBody>
-      </p:sp>
-      <p:sp>
-        <p:nvSpPr>
-          <p:cNvPr id="3" name="Content Placeholder 2"/>
-          <p:cNvSpPr>
-            <a:spLocks noGrp="1"/>
-          </p:cNvSpPr>
-          <p:nvPr>
-            <p:ph idx="1"/>
-          </p:nvPr>
-        </p:nvSpPr>
-        <p:spPr/>
-        <p:txBody>
-          <a:bodyPr/>
-          <a:lstStyle/>
-          <a:p>
-            <a:r>
-              <a:rPr lang="en-US" dirty="0" smtClean="0"/>
-              <a:t>The goal of this sprint was to:</a:t>
-            </a:r>
-          </a:p>
-          <a:p>
-            <a:pPr lvl="1"/>
-            <a:r>
-              <a:rPr lang="en-US" dirty="0" smtClean="0"/>
-              <a:t>Calculate radar parameters for UAVSARLITE</a:t>
-            </a:r>
-          </a:p>
-          <a:p>
-            <a:pPr lvl="1"/>
-            <a:r>
-              <a:rPr lang="en-US" dirty="0" smtClean="0"/>
-              <a:t>Document important takeaways from Introduction to Airborne radar chapters 30-33</a:t>
-            </a:r>
-          </a:p>
-          <a:p>
-            <a:pPr lvl="1"/>
-            <a:r>
-              <a:rPr lang="en-US" dirty="0"/>
-              <a:t>Model and Simulate IWR6843AOP antenna </a:t>
-            </a:r>
-            <a:r>
-              <a:rPr lang="en-US" smtClean="0"/>
-              <a:t>beamwidth</a:t>
-            </a:r>
-            <a:endParaRPr lang="en-US" dirty="0"/>
-          </a:p>
-          <a:p>
-            <a:endParaRPr lang="en-US" dirty="0"/>
-          </a:p>
-        </p:txBody>
-      </p:sp>
-    </p:spTree>
-    <p:extLst>
-      <p:ext uri="{BB962C8B-B14F-4D97-AF65-F5344CB8AC3E}">
-        <p14:creationId xmlns:p14="http://schemas.microsoft.com/office/powerpoint/2010/main" val="3625503166"/>
-      </p:ext>
-    </p:extLst>
-  </p:cSld>
-  <p:clrMapOvr>
-    <a:masterClrMapping/>
-  </p:clrMapOvr>
-  <p:timing>
-    <p:tnLst>
-      <p:par>
-        <p:cTn id="1" dur="indefinite" restart="never" nodeType="tmRoot"/>
-      </p:par>
-    </p:tnLst>
-  </p:timing>
-</p:sld>
-</file>
-
-<file path=ppt/slides/slide20.xml><?xml version="1.0" encoding="utf-8"?>
-<p:sld xmlns:a="http://schemas.openxmlformats.org/drawingml/2006/main" xmlns:r="http://schemas.openxmlformats.org/officeDocument/2006/relationships" xmlns:p="http://schemas.openxmlformats.org/presentationml/2006/main">
-  <p:cSld>
-    <p:spTree>
-      <p:nvGrpSpPr>
-        <p:cNvPr id="1" name=""/>
-        <p:cNvGrpSpPr/>
-        <p:nvPr/>
-      </p:nvGrpSpPr>
-      <p:grpSpPr>
-        <a:xfrm>
-          <a:off x="0" y="0"/>
-          <a:ext cx="0" cy="0"/>
-          <a:chOff x="0" y="0"/>
-          <a:chExt cx="0" cy="0"/>
-        </a:xfrm>
-      </p:grpSpPr>
-      <p:sp>
-        <p:nvSpPr>
-          <p:cNvPr id="2" name="Title 1"/>
-          <p:cNvSpPr>
-            <a:spLocks noGrp="1"/>
-          </p:cNvSpPr>
-          <p:nvPr>
-            <p:ph type="title"/>
-          </p:nvPr>
-        </p:nvSpPr>
-        <p:spPr/>
-        <p:txBody>
-          <a:bodyPr/>
-          <a:lstStyle/>
-          <a:p>
-            <a:r>
-              <a:rPr lang="en-US" dirty="0" smtClean="0"/>
               <a:t>Antenna</a:t>
             </a:r>
             <a:endParaRPr lang="en-US" dirty="0"/>
@@ -7787,7 +6577,7 @@
 </p:sld>
 </file>
 
-<file path=ppt/slides/slide21.xml><?xml version="1.0" encoding="utf-8"?>
+<file path=ppt/slides/slide15.xml><?xml version="1.0" encoding="utf-8"?>
 <p:sld xmlns:a="http://schemas.openxmlformats.org/drawingml/2006/main" xmlns:r="http://schemas.openxmlformats.org/officeDocument/2006/relationships" xmlns:p="http://schemas.openxmlformats.org/presentationml/2006/main">
   <p:cSld>
     <p:spTree>
@@ -7978,7 +6768,7 @@
 </p:sld>
 </file>
 
-<file path=ppt/slides/slide22.xml><?xml version="1.0" encoding="utf-8"?>
+<file path=ppt/slides/slide16.xml><?xml version="1.0" encoding="utf-8"?>
 <p:sld xmlns:a="http://schemas.openxmlformats.org/drawingml/2006/main" xmlns:r="http://schemas.openxmlformats.org/officeDocument/2006/relationships" xmlns:p="http://schemas.openxmlformats.org/presentationml/2006/main">
   <p:cSld>
     <p:spTree>
@@ -8170,7 +6960,7 @@
 </p:sld>
 </file>
 
-<file path=ppt/slides/slide23.xml><?xml version="1.0" encoding="utf-8"?>
+<file path=ppt/slides/slide17.xml><?xml version="1.0" encoding="utf-8"?>
 <p:sld xmlns:a="http://schemas.openxmlformats.org/drawingml/2006/main" xmlns:r="http://schemas.openxmlformats.org/officeDocument/2006/relationships" xmlns:p="http://schemas.openxmlformats.org/presentationml/2006/main">
   <p:cSld>
     <p:spTree>
@@ -8474,7 +7264,7 @@
 </p:sld>
 </file>
 
-<file path=ppt/slides/slide24.xml><?xml version="1.0" encoding="utf-8"?>
+<file path=ppt/slides/slide18.xml><?xml version="1.0" encoding="utf-8"?>
 <p:sld xmlns:a="http://schemas.openxmlformats.org/drawingml/2006/main" xmlns:r="http://schemas.openxmlformats.org/officeDocument/2006/relationships" xmlns:p="http://schemas.openxmlformats.org/presentationml/2006/main">
   <p:cSld>
     <p:spTree>
@@ -8715,7 +7505,7 @@
 </p:sld>
 </file>
 
-<file path=ppt/slides/slide25.xml><?xml version="1.0" encoding="utf-8"?>
+<file path=ppt/slides/slide19.xml><?xml version="1.0" encoding="utf-8"?>
 <p:sld xmlns:a="http://schemas.openxmlformats.org/drawingml/2006/main" xmlns:r="http://schemas.openxmlformats.org/officeDocument/2006/relationships" xmlns:p="http://schemas.openxmlformats.org/presentationml/2006/main">
   <p:cSld>
     <p:spTree>
@@ -8778,6 +7568,117 @@
     <p:extLst>
       <p:ext uri="{BB962C8B-B14F-4D97-AF65-F5344CB8AC3E}">
         <p14:creationId xmlns:p14="http://schemas.microsoft.com/office/powerpoint/2010/main" val="3990907402"/>
+      </p:ext>
+    </p:extLst>
+  </p:cSld>
+  <p:clrMapOvr>
+    <a:masterClrMapping/>
+  </p:clrMapOvr>
+  <p:timing>
+    <p:tnLst>
+      <p:par>
+        <p:cTn id="1" dur="indefinite" restart="never" nodeType="tmRoot"/>
+      </p:par>
+    </p:tnLst>
+  </p:timing>
+</p:sld>
+</file>
+
+<file path=ppt/slides/slide2.xml><?xml version="1.0" encoding="utf-8"?>
+<p:sld xmlns:a="http://schemas.openxmlformats.org/drawingml/2006/main" xmlns:r="http://schemas.openxmlformats.org/officeDocument/2006/relationships" xmlns:p="http://schemas.openxmlformats.org/presentationml/2006/main">
+  <p:cSld>
+    <p:spTree>
+      <p:nvGrpSpPr>
+        <p:cNvPr id="1" name=""/>
+        <p:cNvGrpSpPr/>
+        <p:nvPr/>
+      </p:nvGrpSpPr>
+      <p:grpSpPr>
+        <a:xfrm>
+          <a:off x="0" y="0"/>
+          <a:ext cx="0" cy="0"/>
+          <a:chOff x="0" y="0"/>
+          <a:chExt cx="0" cy="0"/>
+        </a:xfrm>
+      </p:grpSpPr>
+      <p:sp>
+        <p:nvSpPr>
+          <p:cNvPr id="2" name="Title 1"/>
+          <p:cNvSpPr>
+            <a:spLocks noGrp="1"/>
+          </p:cNvSpPr>
+          <p:nvPr>
+            <p:ph type="title"/>
+          </p:nvPr>
+        </p:nvSpPr>
+        <p:spPr/>
+        <p:txBody>
+          <a:bodyPr/>
+          <a:lstStyle/>
+          <a:p>
+            <a:r>
+              <a:rPr lang="en-US" dirty="0" smtClean="0"/>
+              <a:t>Sprint OBECTIVE</a:t>
+            </a:r>
+            <a:endParaRPr lang="en-US" dirty="0"/>
+          </a:p>
+        </p:txBody>
+      </p:sp>
+      <p:sp>
+        <p:nvSpPr>
+          <p:cNvPr id="3" name="Content Placeholder 2"/>
+          <p:cNvSpPr>
+            <a:spLocks noGrp="1"/>
+          </p:cNvSpPr>
+          <p:nvPr>
+            <p:ph idx="1"/>
+          </p:nvPr>
+        </p:nvSpPr>
+        <p:spPr/>
+        <p:txBody>
+          <a:bodyPr/>
+          <a:lstStyle/>
+          <a:p>
+            <a:r>
+              <a:rPr lang="en-US" dirty="0" smtClean="0"/>
+              <a:t>The goal of this sprint was to:</a:t>
+            </a:r>
+          </a:p>
+          <a:p>
+            <a:pPr lvl="1"/>
+            <a:r>
+              <a:rPr lang="en-US" dirty="0" smtClean="0"/>
+              <a:t>Calculate radar parameters for UAVSARLITE</a:t>
+            </a:r>
+          </a:p>
+          <a:p>
+            <a:pPr lvl="1"/>
+            <a:r>
+              <a:rPr lang="en-US" dirty="0" smtClean="0"/>
+              <a:t>Document important takeaways from Introduction to Airborne radar chapters 30-33</a:t>
+            </a:r>
+          </a:p>
+          <a:p>
+            <a:pPr lvl="1"/>
+            <a:r>
+              <a:rPr lang="en-US" dirty="0"/>
+              <a:t>Model and Simulate IWR6843AOP antenna </a:t>
+            </a:r>
+            <a:r>
+              <a:rPr lang="en-US" dirty="0" err="1" smtClean="0"/>
+              <a:t>beamwidth</a:t>
+            </a:r>
+            <a:endParaRPr lang="en-US" dirty="0"/>
+          </a:p>
+          <a:p>
+            <a:endParaRPr lang="en-US" dirty="0"/>
+          </a:p>
+        </p:txBody>
+      </p:sp>
+    </p:spTree>
+    <p:extLst>
+      <p:ext uri="{BB962C8B-B14F-4D97-AF65-F5344CB8AC3E}">
+        <p14:creationId xmlns:p14="http://schemas.microsoft.com/office/powerpoint/2010/main" val="3625503166"/>
       </p:ext>
     </p:extLst>
   </p:cSld>
@@ -15116,7 +14017,7 @@
   <a:extraClrSchemeLst/>
   <a:extLst>
     <a:ext uri="{05A4C25C-085E-4340-85A3-A5531E510DB2}">
-      <thm15:themeFamily xmlns:thm15="http://schemas.microsoft.com/office/thememl/2012/main" xmlns="" name="Celestial" id="{C4BB2A3D-0E93-4C5F-B0D2-9D3FCE089CC5}" vid="{42E5908D-19A2-46FD-89FA-638B126129EF}"/>
+      <thm15:themeFamily xmlns="" xmlns:thm15="http://schemas.microsoft.com/office/thememl/2012/main" name="Celestial" id="{C4BB2A3D-0E93-4C5F-B0D2-9D3FCE089CC5}" vid="{42E5908D-19A2-46FD-89FA-638B126129EF}"/>
     </a:ext>
   </a:extLst>
 </a:theme>
